--- a/materials/20190422_intro.pptx
+++ b/materials/20190422_intro.pptx
@@ -268,7 +268,7 @@
           <a:p>
             <a:fld id="{D8F81230-6952-7D4B-9057-3441D4A23777}" type="datetimeFigureOut">
               <a:rPr lang="en-US" smtClean="0"/>
-              <a:t>4/22/19</a:t>
+              <a:t>4/24/19</a:t>
             </a:fld>
             <a:endParaRPr lang="en-US"/>
           </a:p>
@@ -466,7 +466,7 @@
           <a:p>
             <a:fld id="{D8F81230-6952-7D4B-9057-3441D4A23777}" type="datetimeFigureOut">
               <a:rPr lang="en-US" smtClean="0"/>
-              <a:t>4/22/19</a:t>
+              <a:t>4/24/19</a:t>
             </a:fld>
             <a:endParaRPr lang="en-US"/>
           </a:p>
@@ -674,7 +674,7 @@
           <a:p>
             <a:fld id="{D8F81230-6952-7D4B-9057-3441D4A23777}" type="datetimeFigureOut">
               <a:rPr lang="en-US" smtClean="0"/>
-              <a:t>4/22/19</a:t>
+              <a:t>4/24/19</a:t>
             </a:fld>
             <a:endParaRPr lang="en-US"/>
           </a:p>
@@ -872,7 +872,7 @@
           <a:p>
             <a:fld id="{D8F81230-6952-7D4B-9057-3441D4A23777}" type="datetimeFigureOut">
               <a:rPr lang="en-US" smtClean="0"/>
-              <a:t>4/22/19</a:t>
+              <a:t>4/24/19</a:t>
             </a:fld>
             <a:endParaRPr lang="en-US"/>
           </a:p>
@@ -1147,7 +1147,7 @@
           <a:p>
             <a:fld id="{D8F81230-6952-7D4B-9057-3441D4A23777}" type="datetimeFigureOut">
               <a:rPr lang="en-US" smtClean="0"/>
-              <a:t>4/22/19</a:t>
+              <a:t>4/24/19</a:t>
             </a:fld>
             <a:endParaRPr lang="en-US"/>
           </a:p>
@@ -1412,7 +1412,7 @@
           <a:p>
             <a:fld id="{D8F81230-6952-7D4B-9057-3441D4A23777}" type="datetimeFigureOut">
               <a:rPr lang="en-US" smtClean="0"/>
-              <a:t>4/22/19</a:t>
+              <a:t>4/24/19</a:t>
             </a:fld>
             <a:endParaRPr lang="en-US"/>
           </a:p>
@@ -1824,7 +1824,7 @@
           <a:p>
             <a:fld id="{D8F81230-6952-7D4B-9057-3441D4A23777}" type="datetimeFigureOut">
               <a:rPr lang="en-US" smtClean="0"/>
-              <a:t>4/22/19</a:t>
+              <a:t>4/24/19</a:t>
             </a:fld>
             <a:endParaRPr lang="en-US"/>
           </a:p>
@@ -1965,7 +1965,7 @@
           <a:p>
             <a:fld id="{D8F81230-6952-7D4B-9057-3441D4A23777}" type="datetimeFigureOut">
               <a:rPr lang="en-US" smtClean="0"/>
-              <a:t>4/22/19</a:t>
+              <a:t>4/24/19</a:t>
             </a:fld>
             <a:endParaRPr lang="en-US"/>
           </a:p>
@@ -2078,7 +2078,7 @@
           <a:p>
             <a:fld id="{D8F81230-6952-7D4B-9057-3441D4A23777}" type="datetimeFigureOut">
               <a:rPr lang="en-US" smtClean="0"/>
-              <a:t>4/22/19</a:t>
+              <a:t>4/24/19</a:t>
             </a:fld>
             <a:endParaRPr lang="en-US"/>
           </a:p>
@@ -2389,7 +2389,7 @@
           <a:p>
             <a:fld id="{D8F81230-6952-7D4B-9057-3441D4A23777}" type="datetimeFigureOut">
               <a:rPr lang="en-US" smtClean="0"/>
-              <a:t>4/22/19</a:t>
+              <a:t>4/24/19</a:t>
             </a:fld>
             <a:endParaRPr lang="en-US"/>
           </a:p>
@@ -2677,7 +2677,7 @@
           <a:p>
             <a:fld id="{D8F81230-6952-7D4B-9057-3441D4A23777}" type="datetimeFigureOut">
               <a:rPr lang="en-US" smtClean="0"/>
-              <a:t>4/22/19</a:t>
+              <a:t>4/24/19</a:t>
             </a:fld>
             <a:endParaRPr lang="en-US"/>
           </a:p>
@@ -2918,7 +2918,7 @@
           <a:p>
             <a:fld id="{D8F81230-6952-7D4B-9057-3441D4A23777}" type="datetimeFigureOut">
               <a:rPr lang="en-US" smtClean="0"/>
-              <a:t>4/22/19</a:t>
+              <a:t>4/24/19</a:t>
             </a:fld>
             <a:endParaRPr lang="en-US"/>
           </a:p>
@@ -3384,9 +3384,10 @@
               <a:t>SGoQDeMa</a:t>
             </a:r>
             <a:r>
-              <a:rPr lang="en-US" sz="4800" dirty="0"/>
+              <a:rPr lang="en-US" sz="4800"/>
               <a:t>) </a:t>
             </a:r>
+            <a:endParaRPr lang="en-US" sz="4800" dirty="0"/>
           </a:p>
         </p:txBody>
       </p:sp>

--- a/materials/20190422_intro.pptx
+++ b/materials/20190422_intro.pptx
@@ -268,7 +268,7 @@
           <a:p>
             <a:fld id="{D8F81230-6952-7D4B-9057-3441D4A23777}" type="datetimeFigureOut">
               <a:rPr lang="en-US" smtClean="0"/>
-              <a:t>4/24/19</a:t>
+              <a:t>6/6/19</a:t>
             </a:fld>
             <a:endParaRPr lang="en-US"/>
           </a:p>
@@ -466,7 +466,7 @@
           <a:p>
             <a:fld id="{D8F81230-6952-7D4B-9057-3441D4A23777}" type="datetimeFigureOut">
               <a:rPr lang="en-US" smtClean="0"/>
-              <a:t>4/24/19</a:t>
+              <a:t>6/6/19</a:t>
             </a:fld>
             <a:endParaRPr lang="en-US"/>
           </a:p>
@@ -674,7 +674,7 @@
           <a:p>
             <a:fld id="{D8F81230-6952-7D4B-9057-3441D4A23777}" type="datetimeFigureOut">
               <a:rPr lang="en-US" smtClean="0"/>
-              <a:t>4/24/19</a:t>
+              <a:t>6/6/19</a:t>
             </a:fld>
             <a:endParaRPr lang="en-US"/>
           </a:p>
@@ -872,7 +872,7 @@
           <a:p>
             <a:fld id="{D8F81230-6952-7D4B-9057-3441D4A23777}" type="datetimeFigureOut">
               <a:rPr lang="en-US" smtClean="0"/>
-              <a:t>4/24/19</a:t>
+              <a:t>6/6/19</a:t>
             </a:fld>
             <a:endParaRPr lang="en-US"/>
           </a:p>
@@ -1147,7 +1147,7 @@
           <a:p>
             <a:fld id="{D8F81230-6952-7D4B-9057-3441D4A23777}" type="datetimeFigureOut">
               <a:rPr lang="en-US" smtClean="0"/>
-              <a:t>4/24/19</a:t>
+              <a:t>6/6/19</a:t>
             </a:fld>
             <a:endParaRPr lang="en-US"/>
           </a:p>
@@ -1412,7 +1412,7 @@
           <a:p>
             <a:fld id="{D8F81230-6952-7D4B-9057-3441D4A23777}" type="datetimeFigureOut">
               <a:rPr lang="en-US" smtClean="0"/>
-              <a:t>4/24/19</a:t>
+              <a:t>6/6/19</a:t>
             </a:fld>
             <a:endParaRPr lang="en-US"/>
           </a:p>
@@ -1824,7 +1824,7 @@
           <a:p>
             <a:fld id="{D8F81230-6952-7D4B-9057-3441D4A23777}" type="datetimeFigureOut">
               <a:rPr lang="en-US" smtClean="0"/>
-              <a:t>4/24/19</a:t>
+              <a:t>6/6/19</a:t>
             </a:fld>
             <a:endParaRPr lang="en-US"/>
           </a:p>
@@ -1965,7 +1965,7 @@
           <a:p>
             <a:fld id="{D8F81230-6952-7D4B-9057-3441D4A23777}" type="datetimeFigureOut">
               <a:rPr lang="en-US" smtClean="0"/>
-              <a:t>4/24/19</a:t>
+              <a:t>6/6/19</a:t>
             </a:fld>
             <a:endParaRPr lang="en-US"/>
           </a:p>
@@ -2078,7 +2078,7 @@
           <a:p>
             <a:fld id="{D8F81230-6952-7D4B-9057-3441D4A23777}" type="datetimeFigureOut">
               <a:rPr lang="en-US" smtClean="0"/>
-              <a:t>4/24/19</a:t>
+              <a:t>6/6/19</a:t>
             </a:fld>
             <a:endParaRPr lang="en-US"/>
           </a:p>
@@ -2389,7 +2389,7 @@
           <a:p>
             <a:fld id="{D8F81230-6952-7D4B-9057-3441D4A23777}" type="datetimeFigureOut">
               <a:rPr lang="en-US" smtClean="0"/>
-              <a:t>4/24/19</a:t>
+              <a:t>6/6/19</a:t>
             </a:fld>
             <a:endParaRPr lang="en-US"/>
           </a:p>
@@ -2677,7 +2677,7 @@
           <a:p>
             <a:fld id="{D8F81230-6952-7D4B-9057-3441D4A23777}" type="datetimeFigureOut">
               <a:rPr lang="en-US" smtClean="0"/>
-              <a:t>4/24/19</a:t>
+              <a:t>6/6/19</a:t>
             </a:fld>
             <a:endParaRPr lang="en-US"/>
           </a:p>
@@ -2918,7 +2918,7 @@
           <a:p>
             <a:fld id="{D8F81230-6952-7D4B-9057-3441D4A23777}" type="datetimeFigureOut">
               <a:rPr lang="en-US" smtClean="0"/>
-              <a:t>4/24/19</a:t>
+              <a:t>6/6/19</a:t>
             </a:fld>
             <a:endParaRPr lang="en-US"/>
           </a:p>
@@ -4700,6 +4700,10 @@
               <a:rPr lang="en-US" sz="2800" dirty="0"/>
               <a:t>-7. these, 1 week </a:t>
             </a:r>
+            <a:r>
+              <a:rPr lang="ja-JP" altLang="en-US" sz="2800"/>
+              <a:t>笹森さん</a:t>
+            </a:r>
             <a:br>
               <a:rPr lang="en-US" sz="2800" dirty="0"/>
             </a:br>
@@ -4707,13 +4711,22 @@
               <a:rPr lang="en-US" sz="2800" dirty="0"/>
               <a:t>-6. these, 1 week </a:t>
             </a:r>
+            <a:r>
+              <a:rPr lang="ja-JP" altLang="en-US" sz="2800"/>
+              <a:t>西谷先生</a:t>
+            </a:r>
             <a:br>
               <a:rPr lang="en-US" sz="2800" dirty="0"/>
             </a:br>
             <a:r>
               <a:rPr lang="en-US" sz="2800" dirty="0"/>
-              <a:t>-4. these, 1 week</a:t>
-            </a:r>
+              <a:t>-4. these, 1 week </a:t>
+            </a:r>
+            <a:r>
+              <a:rPr lang="ja-JP" altLang="en-US" sz="2800"/>
+              <a:t>大村先生</a:t>
+            </a:r>
+            <a:endParaRPr lang="en-US" sz="2800" dirty="0"/>
           </a:p>
           <a:p>
             <a:r>
